--- a/411.pptx
+++ b/411.pptx
@@ -205,7 +205,7 @@
           <a:p>
             <a:fld id="{2F192DDC-188A-4042-801E-B987440A5B1A}" type="datetimeFigureOut">
               <a:rPr lang="en-US" smtClean="0"/>
-              <a:t>8/31/2017</a:t>
+              <a:t>10/19/2017</a:t>
             </a:fld>
             <a:endParaRPr lang="en-US"/>
           </a:p>
@@ -695,7 +695,7 @@
           <a:p>
             <a:fld id="{48A87A34-81AB-432B-8DAE-1953F412C126}" type="datetimeFigureOut">
               <a:rPr lang="en-US" smtClean="0"/>
-              <a:t>8/31/2017</a:t>
+              <a:t>10/19/2017</a:t>
             </a:fld>
             <a:endParaRPr lang="en-US" dirty="0"/>
           </a:p>
@@ -906,7 +906,7 @@
           <a:p>
             <a:fld id="{48A87A34-81AB-432B-8DAE-1953F412C126}" type="datetimeFigureOut">
               <a:rPr lang="en-US" smtClean="0"/>
-              <a:t>8/31/2017</a:t>
+              <a:t>10/19/2017</a:t>
             </a:fld>
             <a:endParaRPr lang="en-US" dirty="0"/>
           </a:p>
@@ -1121,7 +1121,7 @@
           <a:p>
             <a:fld id="{48A87A34-81AB-432B-8DAE-1953F412C126}" type="datetimeFigureOut">
               <a:rPr lang="en-US" smtClean="0"/>
-              <a:t>8/31/2017</a:t>
+              <a:t>10/19/2017</a:t>
             </a:fld>
             <a:endParaRPr lang="en-US" dirty="0"/>
           </a:p>
@@ -1322,7 +1322,7 @@
           <a:p>
             <a:fld id="{48A87A34-81AB-432B-8DAE-1953F412C126}" type="datetimeFigureOut">
               <a:rPr lang="en-US" smtClean="0"/>
-              <a:t>8/31/2017</a:t>
+              <a:t>10/19/2017</a:t>
             </a:fld>
             <a:endParaRPr lang="en-US" dirty="0"/>
           </a:p>
@@ -1601,7 +1601,7 @@
           <a:p>
             <a:fld id="{48A87A34-81AB-432B-8DAE-1953F412C126}" type="datetimeFigureOut">
               <a:rPr lang="en-US" smtClean="0"/>
-              <a:t>8/31/2017</a:t>
+              <a:t>10/19/2017</a:t>
             </a:fld>
             <a:endParaRPr lang="en-US" dirty="0"/>
           </a:p>
@@ -1869,7 +1869,7 @@
           <a:p>
             <a:fld id="{48A87A34-81AB-432B-8DAE-1953F412C126}" type="datetimeFigureOut">
               <a:rPr lang="en-US" smtClean="0"/>
-              <a:t>8/31/2017</a:t>
+              <a:t>10/19/2017</a:t>
             </a:fld>
             <a:endParaRPr lang="en-US" dirty="0"/>
           </a:p>
@@ -2285,7 +2285,7 @@
           <a:p>
             <a:fld id="{48A87A34-81AB-432B-8DAE-1953F412C126}" type="datetimeFigureOut">
               <a:rPr lang="en-US" smtClean="0"/>
-              <a:t>8/31/2017</a:t>
+              <a:t>10/19/2017</a:t>
             </a:fld>
             <a:endParaRPr lang="en-US" dirty="0"/>
           </a:p>
@@ -2434,7 +2434,7 @@
           <a:p>
             <a:fld id="{48A87A34-81AB-432B-8DAE-1953F412C126}" type="datetimeFigureOut">
               <a:rPr lang="en-US" smtClean="0"/>
-              <a:t>8/31/2017</a:t>
+              <a:t>10/19/2017</a:t>
             </a:fld>
             <a:endParaRPr lang="en-US" dirty="0"/>
           </a:p>
@@ -2560,7 +2560,7 @@
           <a:p>
             <a:fld id="{48A87A34-81AB-432B-8DAE-1953F412C126}" type="datetimeFigureOut">
               <a:rPr lang="en-US" smtClean="0"/>
-              <a:t>8/31/2017</a:t>
+              <a:t>10/19/2017</a:t>
             </a:fld>
             <a:endParaRPr lang="en-US" dirty="0"/>
           </a:p>
@@ -2811,7 +2811,7 @@
           <a:p>
             <a:fld id="{48A87A34-81AB-432B-8DAE-1953F412C126}" type="datetimeFigureOut">
               <a:rPr lang="en-US" smtClean="0"/>
-              <a:t>8/31/2017</a:t>
+              <a:t>10/19/2017</a:t>
             </a:fld>
             <a:endParaRPr lang="en-US" dirty="0"/>
           </a:p>
@@ -3256,7 +3256,7 @@
           <a:p>
             <a:fld id="{48A87A34-81AB-432B-8DAE-1953F412C126}" type="datetimeFigureOut">
               <a:rPr lang="en-US" smtClean="0"/>
-              <a:t>8/31/2017</a:t>
+              <a:t>10/19/2017</a:t>
             </a:fld>
             <a:endParaRPr lang="en-US" dirty="0"/>
           </a:p>
@@ -3583,7 +3583,7 @@
             <a:fld id="{48A87A34-81AB-432B-8DAE-1953F412C126}" type="datetimeFigureOut">
               <a:rPr lang="en-US" smtClean="0"/>
               <a:pPr/>
-              <a:t>8/31/2017</a:t>
+              <a:t>10/19/2017</a:t>
             </a:fld>
             <a:endParaRPr lang="en-US" dirty="0"/>
           </a:p>
@@ -4122,8 +4122,8 @@
           <a:p>
             <a:pPr algn="ctr"/>
             <a:r>
-              <a:rPr lang="en-US" dirty="0"/>
-              <a:t>*Joseph </a:t>
+              <a:rPr lang="en-US" dirty="0" smtClean="0"/>
+              <a:t>Joseph </a:t>
             </a:r>
             <a:r>
               <a:rPr lang="en-US" dirty="0" err="1"/>
@@ -4346,7 +4346,6 @@
               <a:rPr lang="en-US" dirty="0"/>
               <a:t>Branch off into Firebase research </a:t>
             </a:r>
-            <a:endParaRPr lang="en-US" dirty="0"/>
           </a:p>
           <a:p>
             <a:r>
@@ -4433,7 +4432,7 @@
         <p:spPr/>
         <p:txBody>
           <a:bodyPr>
-            <a:normAutofit/>
+            <a:normAutofit lnSpcReduction="10000"/>
           </a:bodyPr>
           <a:lstStyle/>
           <a:p>
@@ -4460,18 +4459,39 @@
             <a:pPr lvl="1"/>
             <a:r>
               <a:rPr lang="en-US" dirty="0"/>
-              <a:t>Google Cloud Storage</a:t>
-            </a:r>
-          </a:p>
-          <a:p>
-            <a:pPr lvl="1"/>
-            <a:endParaRPr lang="en-US" dirty="0"/>
-          </a:p>
-          <a:p>
-            <a:r>
-              <a:rPr lang="en-US" dirty="0"/>
+              <a:t>Google Cloud </a:t>
+            </a:r>
+            <a:r>
+              <a:rPr lang="en-US" dirty="0" smtClean="0"/>
+              <a:t>Storage</a:t>
+            </a:r>
+            <a:endParaRPr lang="en-US" dirty="0"/>
+          </a:p>
+          <a:p>
+            <a:r>
+              <a:rPr lang="en-US" smtClean="0"/>
+              <a:t>JavaScript</a:t>
+            </a:r>
+            <a:endParaRPr lang="en-US" dirty="0" smtClean="0"/>
+          </a:p>
+          <a:p>
+            <a:r>
+              <a:rPr lang="en-US" dirty="0" smtClean="0"/>
+              <a:t>HTML and CSS</a:t>
+            </a:r>
+          </a:p>
+          <a:p>
+            <a:r>
+              <a:rPr lang="en-US" dirty="0" smtClean="0"/>
               <a:t>Bootstrap</a:t>
             </a:r>
+          </a:p>
+          <a:p>
+            <a:r>
+              <a:rPr lang="en-US" dirty="0" smtClean="0"/>
+              <a:t>Tingle</a:t>
+            </a:r>
+            <a:endParaRPr lang="en-US" dirty="0"/>
           </a:p>
           <a:p>
             <a:endParaRPr lang="en-US" dirty="0"/>
@@ -4561,30 +4581,21 @@
           <a:lstStyle/>
           <a:p>
             <a:r>
-              <a:rPr lang="en-US" dirty="0"/>
-              <a:t>Implement database (equipment)</a:t>
-            </a:r>
-          </a:p>
-          <a:p>
-            <a:r>
-              <a:rPr lang="en-US"/>
+              <a:rPr lang="en-US" dirty="0" smtClean="0"/>
               <a:t>Searching Feature</a:t>
             </a:r>
-            <a:endParaRPr lang="en-US" dirty="0"/>
-          </a:p>
-          <a:p>
-            <a:r>
-              <a:rPr lang="en-US" dirty="0"/>
-              <a:t>History Section of past items</a:t>
-            </a:r>
-          </a:p>
-          <a:p>
-            <a:r>
-              <a:rPr lang="en-US" dirty="0"/>
-              <a:t>Reminder email or Firebase Chat System</a:t>
-            </a:r>
-          </a:p>
-          <a:p>
+          </a:p>
+          <a:p>
+            <a:r>
+              <a:rPr lang="en-US" dirty="0" smtClean="0"/>
+              <a:t>Sorting Feature</a:t>
+            </a:r>
+          </a:p>
+          <a:p>
+            <a:r>
+              <a:rPr lang="en-US" dirty="0" smtClean="0"/>
+              <a:t>Improve the front end.</a:t>
+            </a:r>
             <a:endParaRPr lang="en-US" dirty="0"/>
           </a:p>
         </p:txBody>
